--- a/ppt 16-9/0316.新约与旧约.pptx
+++ b/ppt 16-9/0316.新约与旧约.pptx
@@ -5,7 +5,7 @@
     <p:sldMasterId id="2147483648" r:id="rId1"/>
   </p:sldMasterIdLst>
   <p:sldIdLst>
-    <p:sldId id="3202" r:id="rId2"/>
+    <p:sldId id="3203" r:id="rId2"/>
   </p:sldIdLst>
   <p:sldSz cx="12192000" cy="6858000"/>
   <p:notesSz cx="6858000" cy="9144000"/>
@@ -129,7 +129,7 @@
           <p:cNvPr id="2" name="标题 1">
             <a:extLst>
               <a:ext uri="{FF2B5EF4-FFF2-40B4-BE49-F238E27FC236}">
-                <a16:creationId xmlns:a16="http://schemas.microsoft.com/office/drawing/2014/main" id="{9EFFC216-8772-1ADC-CA8C-24867CAD328E}"/>
+                <a16:creationId xmlns:a16="http://schemas.microsoft.com/office/drawing/2014/main" id="{294B966E-B729-6257-B995-7ED83011FD7A}"/>
               </a:ext>
             </a:extLst>
           </p:cNvPr>
@@ -166,7 +166,7 @@
           <p:cNvPr id="3" name="副标题 2">
             <a:extLst>
               <a:ext uri="{FF2B5EF4-FFF2-40B4-BE49-F238E27FC236}">
-                <a16:creationId xmlns:a16="http://schemas.microsoft.com/office/drawing/2014/main" id="{71D3D3C4-E102-E4E5-81D0-19C0E7F1A8DE}"/>
+                <a16:creationId xmlns:a16="http://schemas.microsoft.com/office/drawing/2014/main" id="{BEF80ABF-015F-C999-D9C5-9A9FA5A3D011}"/>
               </a:ext>
             </a:extLst>
           </p:cNvPr>
@@ -236,7 +236,7 @@
           <p:cNvPr id="4" name="日期占位符 3">
             <a:extLst>
               <a:ext uri="{FF2B5EF4-FFF2-40B4-BE49-F238E27FC236}">
-                <a16:creationId xmlns:a16="http://schemas.microsoft.com/office/drawing/2014/main" id="{65D6DA8E-C81B-2F17-7A82-C22D622B6B50}"/>
+                <a16:creationId xmlns:a16="http://schemas.microsoft.com/office/drawing/2014/main" id="{7B8BE75E-2238-4E77-EC50-90D3D698BC5E}"/>
               </a:ext>
             </a:extLst>
           </p:cNvPr>
@@ -252,7 +252,7 @@
           <a:bodyPr/>
           <a:lstStyle/>
           <a:p>
-            <a:fld id="{2E7A09F3-7D91-4F02-A5E7-5F066E254B3C}" type="datetimeFigureOut">
+            <a:fld id="{EEF13A1B-5B9F-4398-A672-0E59607D0ADE}" type="datetimeFigureOut">
               <a:rPr lang="zh-CN" altLang="en-US" smtClean="0"/>
               <a:t>2024/3/10</a:t>
             </a:fld>
@@ -265,7 +265,7 @@
           <p:cNvPr id="5" name="页脚占位符 4">
             <a:extLst>
               <a:ext uri="{FF2B5EF4-FFF2-40B4-BE49-F238E27FC236}">
-                <a16:creationId xmlns:a16="http://schemas.microsoft.com/office/drawing/2014/main" id="{F3C9665D-97BA-49C7-738F-858E12AD483F}"/>
+                <a16:creationId xmlns:a16="http://schemas.microsoft.com/office/drawing/2014/main" id="{7DC434F2-484A-C8A1-90F2-34465FC22C0C}"/>
               </a:ext>
             </a:extLst>
           </p:cNvPr>
@@ -290,7 +290,7 @@
           <p:cNvPr id="6" name="灯片编号占位符 5">
             <a:extLst>
               <a:ext uri="{FF2B5EF4-FFF2-40B4-BE49-F238E27FC236}">
-                <a16:creationId xmlns:a16="http://schemas.microsoft.com/office/drawing/2014/main" id="{7ECBBB47-591B-AA2C-B232-C8B3C62B02D4}"/>
+                <a16:creationId xmlns:a16="http://schemas.microsoft.com/office/drawing/2014/main" id="{F9F7941A-AC1E-E340-11D1-07FAE7125C15}"/>
               </a:ext>
             </a:extLst>
           </p:cNvPr>
@@ -306,7 +306,7 @@
           <a:bodyPr/>
           <a:lstStyle/>
           <a:p>
-            <a:fld id="{25C8DA2F-B6A6-4512-BC9A-763D67BAE476}" type="slidenum">
+            <a:fld id="{19CD0B5E-DE68-4EB8-A196-5BEA241E4C28}" type="slidenum">
               <a:rPr lang="zh-CN" altLang="en-US" smtClean="0"/>
               <a:t>‹#›</a:t>
             </a:fld>
@@ -317,7 +317,7 @@
     </p:spTree>
     <p:extLst>
       <p:ext uri="{BB962C8B-B14F-4D97-AF65-F5344CB8AC3E}">
-        <p14:creationId xmlns:p14="http://schemas.microsoft.com/office/powerpoint/2010/main" val="188613619"/>
+        <p14:creationId xmlns:p14="http://schemas.microsoft.com/office/powerpoint/2010/main" val="3744545046"/>
       </p:ext>
     </p:extLst>
   </p:cSld>
@@ -349,7 +349,7 @@
           <p:cNvPr id="2" name="标题 1">
             <a:extLst>
               <a:ext uri="{FF2B5EF4-FFF2-40B4-BE49-F238E27FC236}">
-                <a16:creationId xmlns:a16="http://schemas.microsoft.com/office/drawing/2014/main" id="{BAF757E0-DB9D-A5DE-076C-91C15EDF114D}"/>
+                <a16:creationId xmlns:a16="http://schemas.microsoft.com/office/drawing/2014/main" id="{2A8CC389-5EF3-A24C-3F31-82B49BC4D183}"/>
               </a:ext>
             </a:extLst>
           </p:cNvPr>
@@ -377,7 +377,7 @@
           <p:cNvPr id="3" name="竖排文字占位符 2">
             <a:extLst>
               <a:ext uri="{FF2B5EF4-FFF2-40B4-BE49-F238E27FC236}">
-                <a16:creationId xmlns:a16="http://schemas.microsoft.com/office/drawing/2014/main" id="{1AB97C5B-B98A-360B-E7B9-8CDFF7CDD464}"/>
+                <a16:creationId xmlns:a16="http://schemas.microsoft.com/office/drawing/2014/main" id="{756EBB88-753D-6A0D-D9D4-FB7F7C85C9F4}"/>
               </a:ext>
             </a:extLst>
           </p:cNvPr>
@@ -434,7 +434,7 @@
           <p:cNvPr id="4" name="日期占位符 3">
             <a:extLst>
               <a:ext uri="{FF2B5EF4-FFF2-40B4-BE49-F238E27FC236}">
-                <a16:creationId xmlns:a16="http://schemas.microsoft.com/office/drawing/2014/main" id="{95BA17D2-77C3-4761-99AA-0DC725CCB567}"/>
+                <a16:creationId xmlns:a16="http://schemas.microsoft.com/office/drawing/2014/main" id="{01384879-19C9-30CB-9D2F-E00102E47E96}"/>
               </a:ext>
             </a:extLst>
           </p:cNvPr>
@@ -450,7 +450,7 @@
           <a:bodyPr/>
           <a:lstStyle/>
           <a:p>
-            <a:fld id="{2E7A09F3-7D91-4F02-A5E7-5F066E254B3C}" type="datetimeFigureOut">
+            <a:fld id="{EEF13A1B-5B9F-4398-A672-0E59607D0ADE}" type="datetimeFigureOut">
               <a:rPr lang="zh-CN" altLang="en-US" smtClean="0"/>
               <a:t>2024/3/10</a:t>
             </a:fld>
@@ -463,7 +463,7 @@
           <p:cNvPr id="5" name="页脚占位符 4">
             <a:extLst>
               <a:ext uri="{FF2B5EF4-FFF2-40B4-BE49-F238E27FC236}">
-                <a16:creationId xmlns:a16="http://schemas.microsoft.com/office/drawing/2014/main" id="{5F5420CA-C033-D557-28A7-FB58DA25D01A}"/>
+                <a16:creationId xmlns:a16="http://schemas.microsoft.com/office/drawing/2014/main" id="{501499D0-F10C-0986-CB8C-D22E002158C0}"/>
               </a:ext>
             </a:extLst>
           </p:cNvPr>
@@ -488,7 +488,7 @@
           <p:cNvPr id="6" name="灯片编号占位符 5">
             <a:extLst>
               <a:ext uri="{FF2B5EF4-FFF2-40B4-BE49-F238E27FC236}">
-                <a16:creationId xmlns:a16="http://schemas.microsoft.com/office/drawing/2014/main" id="{4F0043D5-2025-19A9-D1B3-B74CE5FE57B7}"/>
+                <a16:creationId xmlns:a16="http://schemas.microsoft.com/office/drawing/2014/main" id="{95D8C14D-C4BB-35B2-494B-C226C73D1E09}"/>
               </a:ext>
             </a:extLst>
           </p:cNvPr>
@@ -504,7 +504,7 @@
           <a:bodyPr/>
           <a:lstStyle/>
           <a:p>
-            <a:fld id="{25C8DA2F-B6A6-4512-BC9A-763D67BAE476}" type="slidenum">
+            <a:fld id="{19CD0B5E-DE68-4EB8-A196-5BEA241E4C28}" type="slidenum">
               <a:rPr lang="zh-CN" altLang="en-US" smtClean="0"/>
               <a:t>‹#›</a:t>
             </a:fld>
@@ -515,7 +515,7 @@
     </p:spTree>
     <p:extLst>
       <p:ext uri="{BB962C8B-B14F-4D97-AF65-F5344CB8AC3E}">
-        <p14:creationId xmlns:p14="http://schemas.microsoft.com/office/powerpoint/2010/main" val="1518881755"/>
+        <p14:creationId xmlns:p14="http://schemas.microsoft.com/office/powerpoint/2010/main" val="4220296507"/>
       </p:ext>
     </p:extLst>
   </p:cSld>
@@ -547,7 +547,7 @@
           <p:cNvPr id="2" name="竖排标题 1">
             <a:extLst>
               <a:ext uri="{FF2B5EF4-FFF2-40B4-BE49-F238E27FC236}">
-                <a16:creationId xmlns:a16="http://schemas.microsoft.com/office/drawing/2014/main" id="{1E597454-12F0-42CF-7DDD-FE1C1CE2049D}"/>
+                <a16:creationId xmlns:a16="http://schemas.microsoft.com/office/drawing/2014/main" id="{55417EC9-2613-F2CC-1B40-5AA9FFA28DA0}"/>
               </a:ext>
             </a:extLst>
           </p:cNvPr>
@@ -580,7 +580,7 @@
           <p:cNvPr id="3" name="竖排文字占位符 2">
             <a:extLst>
               <a:ext uri="{FF2B5EF4-FFF2-40B4-BE49-F238E27FC236}">
-                <a16:creationId xmlns:a16="http://schemas.microsoft.com/office/drawing/2014/main" id="{9F1FC0F0-B9A5-1D33-4234-BE82D681217B}"/>
+                <a16:creationId xmlns:a16="http://schemas.microsoft.com/office/drawing/2014/main" id="{EA222CBE-170E-238D-A9BC-0A9C26E873DF}"/>
               </a:ext>
             </a:extLst>
           </p:cNvPr>
@@ -642,7 +642,7 @@
           <p:cNvPr id="4" name="日期占位符 3">
             <a:extLst>
               <a:ext uri="{FF2B5EF4-FFF2-40B4-BE49-F238E27FC236}">
-                <a16:creationId xmlns:a16="http://schemas.microsoft.com/office/drawing/2014/main" id="{40CBA359-3ADA-E563-F04A-29E38704D526}"/>
+                <a16:creationId xmlns:a16="http://schemas.microsoft.com/office/drawing/2014/main" id="{E0A24C68-7AA8-85E5-EFA7-ACE47CA78CC5}"/>
               </a:ext>
             </a:extLst>
           </p:cNvPr>
@@ -658,7 +658,7 @@
           <a:bodyPr/>
           <a:lstStyle/>
           <a:p>
-            <a:fld id="{2E7A09F3-7D91-4F02-A5E7-5F066E254B3C}" type="datetimeFigureOut">
+            <a:fld id="{EEF13A1B-5B9F-4398-A672-0E59607D0ADE}" type="datetimeFigureOut">
               <a:rPr lang="zh-CN" altLang="en-US" smtClean="0"/>
               <a:t>2024/3/10</a:t>
             </a:fld>
@@ -671,7 +671,7 @@
           <p:cNvPr id="5" name="页脚占位符 4">
             <a:extLst>
               <a:ext uri="{FF2B5EF4-FFF2-40B4-BE49-F238E27FC236}">
-                <a16:creationId xmlns:a16="http://schemas.microsoft.com/office/drawing/2014/main" id="{0875D4C4-6D47-4180-A4FD-42C32F15458B}"/>
+                <a16:creationId xmlns:a16="http://schemas.microsoft.com/office/drawing/2014/main" id="{CCDF349B-4033-F89A-5475-20833175CED4}"/>
               </a:ext>
             </a:extLst>
           </p:cNvPr>
@@ -696,7 +696,7 @@
           <p:cNvPr id="6" name="灯片编号占位符 5">
             <a:extLst>
               <a:ext uri="{FF2B5EF4-FFF2-40B4-BE49-F238E27FC236}">
-                <a16:creationId xmlns:a16="http://schemas.microsoft.com/office/drawing/2014/main" id="{08377B11-6C52-0D19-63A6-C71E0F6B1387}"/>
+                <a16:creationId xmlns:a16="http://schemas.microsoft.com/office/drawing/2014/main" id="{DF91B1CA-FD9D-E8B3-E9D1-A35BEB3C1232}"/>
               </a:ext>
             </a:extLst>
           </p:cNvPr>
@@ -712,7 +712,7 @@
           <a:bodyPr/>
           <a:lstStyle/>
           <a:p>
-            <a:fld id="{25C8DA2F-B6A6-4512-BC9A-763D67BAE476}" type="slidenum">
+            <a:fld id="{19CD0B5E-DE68-4EB8-A196-5BEA241E4C28}" type="slidenum">
               <a:rPr lang="zh-CN" altLang="en-US" smtClean="0"/>
               <a:t>‹#›</a:t>
             </a:fld>
@@ -723,7 +723,7 @@
     </p:spTree>
     <p:extLst>
       <p:ext uri="{BB962C8B-B14F-4D97-AF65-F5344CB8AC3E}">
-        <p14:creationId xmlns:p14="http://schemas.microsoft.com/office/powerpoint/2010/main" val="1077171572"/>
+        <p14:creationId xmlns:p14="http://schemas.microsoft.com/office/powerpoint/2010/main" val="481477815"/>
       </p:ext>
     </p:extLst>
   </p:cSld>
@@ -755,7 +755,7 @@
           <p:cNvPr id="2" name="标题 1">
             <a:extLst>
               <a:ext uri="{FF2B5EF4-FFF2-40B4-BE49-F238E27FC236}">
-                <a16:creationId xmlns:a16="http://schemas.microsoft.com/office/drawing/2014/main" id="{9A5A2E8F-BB1C-15C0-397A-F371F0F11E2E}"/>
+                <a16:creationId xmlns:a16="http://schemas.microsoft.com/office/drawing/2014/main" id="{1CE6B6A5-140B-44E6-D2AD-01C58A330928}"/>
               </a:ext>
             </a:extLst>
           </p:cNvPr>
@@ -783,7 +783,7 @@
           <p:cNvPr id="3" name="内容占位符 2">
             <a:extLst>
               <a:ext uri="{FF2B5EF4-FFF2-40B4-BE49-F238E27FC236}">
-                <a16:creationId xmlns:a16="http://schemas.microsoft.com/office/drawing/2014/main" id="{DC7D2080-3AB0-B2FD-D438-128AAD9A3AAE}"/>
+                <a16:creationId xmlns:a16="http://schemas.microsoft.com/office/drawing/2014/main" id="{ED91FEA3-BE3B-885D-58C8-604AA2A95EDA}"/>
               </a:ext>
             </a:extLst>
           </p:cNvPr>
@@ -840,7 +840,7 @@
           <p:cNvPr id="4" name="日期占位符 3">
             <a:extLst>
               <a:ext uri="{FF2B5EF4-FFF2-40B4-BE49-F238E27FC236}">
-                <a16:creationId xmlns:a16="http://schemas.microsoft.com/office/drawing/2014/main" id="{7E3817D7-CA64-AFFD-F452-39D43ED2A9E4}"/>
+                <a16:creationId xmlns:a16="http://schemas.microsoft.com/office/drawing/2014/main" id="{61ECCC74-C3BD-1671-9B68-B6BFA98523DE}"/>
               </a:ext>
             </a:extLst>
           </p:cNvPr>
@@ -856,7 +856,7 @@
           <a:bodyPr/>
           <a:lstStyle/>
           <a:p>
-            <a:fld id="{2E7A09F3-7D91-4F02-A5E7-5F066E254B3C}" type="datetimeFigureOut">
+            <a:fld id="{EEF13A1B-5B9F-4398-A672-0E59607D0ADE}" type="datetimeFigureOut">
               <a:rPr lang="zh-CN" altLang="en-US" smtClean="0"/>
               <a:t>2024/3/10</a:t>
             </a:fld>
@@ -869,7 +869,7 @@
           <p:cNvPr id="5" name="页脚占位符 4">
             <a:extLst>
               <a:ext uri="{FF2B5EF4-FFF2-40B4-BE49-F238E27FC236}">
-                <a16:creationId xmlns:a16="http://schemas.microsoft.com/office/drawing/2014/main" id="{B6CD3139-6596-DC6F-3FF9-D855BFDD26A4}"/>
+                <a16:creationId xmlns:a16="http://schemas.microsoft.com/office/drawing/2014/main" id="{B518AA6A-37E3-F0B5-78B7-315D1219ED4D}"/>
               </a:ext>
             </a:extLst>
           </p:cNvPr>
@@ -894,7 +894,7 @@
           <p:cNvPr id="6" name="灯片编号占位符 5">
             <a:extLst>
               <a:ext uri="{FF2B5EF4-FFF2-40B4-BE49-F238E27FC236}">
-                <a16:creationId xmlns:a16="http://schemas.microsoft.com/office/drawing/2014/main" id="{1F8284E2-18E8-7F61-1652-CDC39B9A0B65}"/>
+                <a16:creationId xmlns:a16="http://schemas.microsoft.com/office/drawing/2014/main" id="{B148BE42-9C91-7422-32C1-1A92CCAAA5F0}"/>
               </a:ext>
             </a:extLst>
           </p:cNvPr>
@@ -910,7 +910,7 @@
           <a:bodyPr/>
           <a:lstStyle/>
           <a:p>
-            <a:fld id="{25C8DA2F-B6A6-4512-BC9A-763D67BAE476}" type="slidenum">
+            <a:fld id="{19CD0B5E-DE68-4EB8-A196-5BEA241E4C28}" type="slidenum">
               <a:rPr lang="zh-CN" altLang="en-US" smtClean="0"/>
               <a:t>‹#›</a:t>
             </a:fld>
@@ -921,7 +921,7 @@
     </p:spTree>
     <p:extLst>
       <p:ext uri="{BB962C8B-B14F-4D97-AF65-F5344CB8AC3E}">
-        <p14:creationId xmlns:p14="http://schemas.microsoft.com/office/powerpoint/2010/main" val="1181439730"/>
+        <p14:creationId xmlns:p14="http://schemas.microsoft.com/office/powerpoint/2010/main" val="1416007088"/>
       </p:ext>
     </p:extLst>
   </p:cSld>
@@ -953,7 +953,7 @@
           <p:cNvPr id="2" name="标题 1">
             <a:extLst>
               <a:ext uri="{FF2B5EF4-FFF2-40B4-BE49-F238E27FC236}">
-                <a16:creationId xmlns:a16="http://schemas.microsoft.com/office/drawing/2014/main" id="{D8703599-F236-AD88-104A-AB868EB53428}"/>
+                <a16:creationId xmlns:a16="http://schemas.microsoft.com/office/drawing/2014/main" id="{EEC1D134-8532-3728-B7B4-1682AA6F7E19}"/>
               </a:ext>
             </a:extLst>
           </p:cNvPr>
@@ -990,7 +990,7 @@
           <p:cNvPr id="3" name="文本占位符 2">
             <a:extLst>
               <a:ext uri="{FF2B5EF4-FFF2-40B4-BE49-F238E27FC236}">
-                <a16:creationId xmlns:a16="http://schemas.microsoft.com/office/drawing/2014/main" id="{8B107FF8-0B18-6956-34CA-66307CE5F554}"/>
+                <a16:creationId xmlns:a16="http://schemas.microsoft.com/office/drawing/2014/main" id="{66A47BDF-FFC8-9AAD-B776-1ADDBAF4BA35}"/>
               </a:ext>
             </a:extLst>
           </p:cNvPr>
@@ -1115,7 +1115,7 @@
           <p:cNvPr id="4" name="日期占位符 3">
             <a:extLst>
               <a:ext uri="{FF2B5EF4-FFF2-40B4-BE49-F238E27FC236}">
-                <a16:creationId xmlns:a16="http://schemas.microsoft.com/office/drawing/2014/main" id="{35D8C40E-64BA-619C-342C-E8696498424D}"/>
+                <a16:creationId xmlns:a16="http://schemas.microsoft.com/office/drawing/2014/main" id="{D4B62A20-BD80-3BFC-11A3-24DDC7EF0611}"/>
               </a:ext>
             </a:extLst>
           </p:cNvPr>
@@ -1131,7 +1131,7 @@
           <a:bodyPr/>
           <a:lstStyle/>
           <a:p>
-            <a:fld id="{2E7A09F3-7D91-4F02-A5E7-5F066E254B3C}" type="datetimeFigureOut">
+            <a:fld id="{EEF13A1B-5B9F-4398-A672-0E59607D0ADE}" type="datetimeFigureOut">
               <a:rPr lang="zh-CN" altLang="en-US" smtClean="0"/>
               <a:t>2024/3/10</a:t>
             </a:fld>
@@ -1144,7 +1144,7 @@
           <p:cNvPr id="5" name="页脚占位符 4">
             <a:extLst>
               <a:ext uri="{FF2B5EF4-FFF2-40B4-BE49-F238E27FC236}">
-                <a16:creationId xmlns:a16="http://schemas.microsoft.com/office/drawing/2014/main" id="{24BC5C59-2BE4-4023-59C6-CA118D5A9E01}"/>
+                <a16:creationId xmlns:a16="http://schemas.microsoft.com/office/drawing/2014/main" id="{8F92676B-F738-CD81-B9A8-434729A4D92E}"/>
               </a:ext>
             </a:extLst>
           </p:cNvPr>
@@ -1169,7 +1169,7 @@
           <p:cNvPr id="6" name="灯片编号占位符 5">
             <a:extLst>
               <a:ext uri="{FF2B5EF4-FFF2-40B4-BE49-F238E27FC236}">
-                <a16:creationId xmlns:a16="http://schemas.microsoft.com/office/drawing/2014/main" id="{AB16DF01-0282-17B9-CD2F-A8C8E0985713}"/>
+                <a16:creationId xmlns:a16="http://schemas.microsoft.com/office/drawing/2014/main" id="{D2929E53-AA9E-6E08-C3AC-9624ADDFB76E}"/>
               </a:ext>
             </a:extLst>
           </p:cNvPr>
@@ -1185,7 +1185,7 @@
           <a:bodyPr/>
           <a:lstStyle/>
           <a:p>
-            <a:fld id="{25C8DA2F-B6A6-4512-BC9A-763D67BAE476}" type="slidenum">
+            <a:fld id="{19CD0B5E-DE68-4EB8-A196-5BEA241E4C28}" type="slidenum">
               <a:rPr lang="zh-CN" altLang="en-US" smtClean="0"/>
               <a:t>‹#›</a:t>
             </a:fld>
@@ -1196,7 +1196,7 @@
     </p:spTree>
     <p:extLst>
       <p:ext uri="{BB962C8B-B14F-4D97-AF65-F5344CB8AC3E}">
-        <p14:creationId xmlns:p14="http://schemas.microsoft.com/office/powerpoint/2010/main" val="1982200463"/>
+        <p14:creationId xmlns:p14="http://schemas.microsoft.com/office/powerpoint/2010/main" val="1519244454"/>
       </p:ext>
     </p:extLst>
   </p:cSld>
@@ -1228,7 +1228,7 @@
           <p:cNvPr id="2" name="标题 1">
             <a:extLst>
               <a:ext uri="{FF2B5EF4-FFF2-40B4-BE49-F238E27FC236}">
-                <a16:creationId xmlns:a16="http://schemas.microsoft.com/office/drawing/2014/main" id="{5372BCFA-165D-FD04-3A07-C32211739027}"/>
+                <a16:creationId xmlns:a16="http://schemas.microsoft.com/office/drawing/2014/main" id="{F67EE876-574A-8C45-7DD6-9D13C751FED4}"/>
               </a:ext>
             </a:extLst>
           </p:cNvPr>
@@ -1256,7 +1256,7 @@
           <p:cNvPr id="3" name="内容占位符 2">
             <a:extLst>
               <a:ext uri="{FF2B5EF4-FFF2-40B4-BE49-F238E27FC236}">
-                <a16:creationId xmlns:a16="http://schemas.microsoft.com/office/drawing/2014/main" id="{735AA758-9740-344C-93F5-7167094454A7}"/>
+                <a16:creationId xmlns:a16="http://schemas.microsoft.com/office/drawing/2014/main" id="{E5AFC265-C952-A497-049F-9958D64335DA}"/>
               </a:ext>
             </a:extLst>
           </p:cNvPr>
@@ -1318,7 +1318,7 @@
           <p:cNvPr id="4" name="内容占位符 3">
             <a:extLst>
               <a:ext uri="{FF2B5EF4-FFF2-40B4-BE49-F238E27FC236}">
-                <a16:creationId xmlns:a16="http://schemas.microsoft.com/office/drawing/2014/main" id="{5ED2B9E6-A924-DFDC-9614-8806007804B4}"/>
+                <a16:creationId xmlns:a16="http://schemas.microsoft.com/office/drawing/2014/main" id="{878678BC-79E7-88C4-7CAF-196FAE766A9F}"/>
               </a:ext>
             </a:extLst>
           </p:cNvPr>
@@ -1380,7 +1380,7 @@
           <p:cNvPr id="5" name="日期占位符 4">
             <a:extLst>
               <a:ext uri="{FF2B5EF4-FFF2-40B4-BE49-F238E27FC236}">
-                <a16:creationId xmlns:a16="http://schemas.microsoft.com/office/drawing/2014/main" id="{674DFFEE-7554-AE8B-CE39-571A1AB675D1}"/>
+                <a16:creationId xmlns:a16="http://schemas.microsoft.com/office/drawing/2014/main" id="{CAE3198D-D91A-FF74-D22D-5195D2761A17}"/>
               </a:ext>
             </a:extLst>
           </p:cNvPr>
@@ -1396,7 +1396,7 @@
           <a:bodyPr/>
           <a:lstStyle/>
           <a:p>
-            <a:fld id="{2E7A09F3-7D91-4F02-A5E7-5F066E254B3C}" type="datetimeFigureOut">
+            <a:fld id="{EEF13A1B-5B9F-4398-A672-0E59607D0ADE}" type="datetimeFigureOut">
               <a:rPr lang="zh-CN" altLang="en-US" smtClean="0"/>
               <a:t>2024/3/10</a:t>
             </a:fld>
@@ -1409,7 +1409,7 @@
           <p:cNvPr id="6" name="页脚占位符 5">
             <a:extLst>
               <a:ext uri="{FF2B5EF4-FFF2-40B4-BE49-F238E27FC236}">
-                <a16:creationId xmlns:a16="http://schemas.microsoft.com/office/drawing/2014/main" id="{F2E6056C-78E5-D7B9-AA8B-292F3AC39712}"/>
+                <a16:creationId xmlns:a16="http://schemas.microsoft.com/office/drawing/2014/main" id="{47265865-D4A1-C8E0-A6BC-813756B70201}"/>
               </a:ext>
             </a:extLst>
           </p:cNvPr>
@@ -1434,7 +1434,7 @@
           <p:cNvPr id="7" name="灯片编号占位符 6">
             <a:extLst>
               <a:ext uri="{FF2B5EF4-FFF2-40B4-BE49-F238E27FC236}">
-                <a16:creationId xmlns:a16="http://schemas.microsoft.com/office/drawing/2014/main" id="{59E0A35B-8576-C13F-08D2-794F1FB802CD}"/>
+                <a16:creationId xmlns:a16="http://schemas.microsoft.com/office/drawing/2014/main" id="{2BAE77B9-E82D-C372-00C9-C1F774452AE4}"/>
               </a:ext>
             </a:extLst>
           </p:cNvPr>
@@ -1450,7 +1450,7 @@
           <a:bodyPr/>
           <a:lstStyle/>
           <a:p>
-            <a:fld id="{25C8DA2F-B6A6-4512-BC9A-763D67BAE476}" type="slidenum">
+            <a:fld id="{19CD0B5E-DE68-4EB8-A196-5BEA241E4C28}" type="slidenum">
               <a:rPr lang="zh-CN" altLang="en-US" smtClean="0"/>
               <a:t>‹#›</a:t>
             </a:fld>
@@ -1461,7 +1461,7 @@
     </p:spTree>
     <p:extLst>
       <p:ext uri="{BB962C8B-B14F-4D97-AF65-F5344CB8AC3E}">
-        <p14:creationId xmlns:p14="http://schemas.microsoft.com/office/powerpoint/2010/main" val="2727744942"/>
+        <p14:creationId xmlns:p14="http://schemas.microsoft.com/office/powerpoint/2010/main" val="3115159930"/>
       </p:ext>
     </p:extLst>
   </p:cSld>
@@ -1493,7 +1493,7 @@
           <p:cNvPr id="2" name="标题 1">
             <a:extLst>
               <a:ext uri="{FF2B5EF4-FFF2-40B4-BE49-F238E27FC236}">
-                <a16:creationId xmlns:a16="http://schemas.microsoft.com/office/drawing/2014/main" id="{73197FA5-6D46-C9F4-D90B-45C405BA5061}"/>
+                <a16:creationId xmlns:a16="http://schemas.microsoft.com/office/drawing/2014/main" id="{DF6E95B1-8395-8815-4BA1-3D788AEF4625}"/>
               </a:ext>
             </a:extLst>
           </p:cNvPr>
@@ -1526,7 +1526,7 @@
           <p:cNvPr id="3" name="文本占位符 2">
             <a:extLst>
               <a:ext uri="{FF2B5EF4-FFF2-40B4-BE49-F238E27FC236}">
-                <a16:creationId xmlns:a16="http://schemas.microsoft.com/office/drawing/2014/main" id="{1CE74E44-5681-1482-7AEA-F266B104AC91}"/>
+                <a16:creationId xmlns:a16="http://schemas.microsoft.com/office/drawing/2014/main" id="{DC8F04C4-133A-0F0C-9271-0C451D9E26B2}"/>
               </a:ext>
             </a:extLst>
           </p:cNvPr>
@@ -1597,7 +1597,7 @@
           <p:cNvPr id="4" name="内容占位符 3">
             <a:extLst>
               <a:ext uri="{FF2B5EF4-FFF2-40B4-BE49-F238E27FC236}">
-                <a16:creationId xmlns:a16="http://schemas.microsoft.com/office/drawing/2014/main" id="{873AA8DB-D10A-AB1B-0C58-5BDF0C3DCAF3}"/>
+                <a16:creationId xmlns:a16="http://schemas.microsoft.com/office/drawing/2014/main" id="{1F35C35F-787E-9A01-2A54-B06E2609FE46}"/>
               </a:ext>
             </a:extLst>
           </p:cNvPr>
@@ -1659,7 +1659,7 @@
           <p:cNvPr id="5" name="文本占位符 4">
             <a:extLst>
               <a:ext uri="{FF2B5EF4-FFF2-40B4-BE49-F238E27FC236}">
-                <a16:creationId xmlns:a16="http://schemas.microsoft.com/office/drawing/2014/main" id="{ABA4B529-E9DE-C79A-DF39-A2A2E201D3EB}"/>
+                <a16:creationId xmlns:a16="http://schemas.microsoft.com/office/drawing/2014/main" id="{30C98216-2EFE-C29A-9D02-3FCA97295B45}"/>
               </a:ext>
             </a:extLst>
           </p:cNvPr>
@@ -1730,7 +1730,7 @@
           <p:cNvPr id="6" name="内容占位符 5">
             <a:extLst>
               <a:ext uri="{FF2B5EF4-FFF2-40B4-BE49-F238E27FC236}">
-                <a16:creationId xmlns:a16="http://schemas.microsoft.com/office/drawing/2014/main" id="{AE1E5A59-B893-E815-35B2-AC109D94C63D}"/>
+                <a16:creationId xmlns:a16="http://schemas.microsoft.com/office/drawing/2014/main" id="{C8E94728-43CE-9D67-50AC-45C0D5EFAB96}"/>
               </a:ext>
             </a:extLst>
           </p:cNvPr>
@@ -1792,7 +1792,7 @@
           <p:cNvPr id="7" name="日期占位符 6">
             <a:extLst>
               <a:ext uri="{FF2B5EF4-FFF2-40B4-BE49-F238E27FC236}">
-                <a16:creationId xmlns:a16="http://schemas.microsoft.com/office/drawing/2014/main" id="{9826B377-961A-894C-9549-549EAB8FA1A8}"/>
+                <a16:creationId xmlns:a16="http://schemas.microsoft.com/office/drawing/2014/main" id="{66909704-A16B-92F2-06FA-E3A5ADF925FB}"/>
               </a:ext>
             </a:extLst>
           </p:cNvPr>
@@ -1808,7 +1808,7 @@
           <a:bodyPr/>
           <a:lstStyle/>
           <a:p>
-            <a:fld id="{2E7A09F3-7D91-4F02-A5E7-5F066E254B3C}" type="datetimeFigureOut">
+            <a:fld id="{EEF13A1B-5B9F-4398-A672-0E59607D0ADE}" type="datetimeFigureOut">
               <a:rPr lang="zh-CN" altLang="en-US" smtClean="0"/>
               <a:t>2024/3/10</a:t>
             </a:fld>
@@ -1821,7 +1821,7 @@
           <p:cNvPr id="8" name="页脚占位符 7">
             <a:extLst>
               <a:ext uri="{FF2B5EF4-FFF2-40B4-BE49-F238E27FC236}">
-                <a16:creationId xmlns:a16="http://schemas.microsoft.com/office/drawing/2014/main" id="{C86329C4-CD08-6F36-D9D8-73492F40C56C}"/>
+                <a16:creationId xmlns:a16="http://schemas.microsoft.com/office/drawing/2014/main" id="{7F9DED36-2650-B5F4-602D-C7CBBAB8C813}"/>
               </a:ext>
             </a:extLst>
           </p:cNvPr>
@@ -1846,7 +1846,7 @@
           <p:cNvPr id="9" name="灯片编号占位符 8">
             <a:extLst>
               <a:ext uri="{FF2B5EF4-FFF2-40B4-BE49-F238E27FC236}">
-                <a16:creationId xmlns:a16="http://schemas.microsoft.com/office/drawing/2014/main" id="{177FFB09-664B-722B-7389-CFB2913952A7}"/>
+                <a16:creationId xmlns:a16="http://schemas.microsoft.com/office/drawing/2014/main" id="{EC5C8DF3-8103-678B-F64A-464E97AE94E4}"/>
               </a:ext>
             </a:extLst>
           </p:cNvPr>
@@ -1862,7 +1862,7 @@
           <a:bodyPr/>
           <a:lstStyle/>
           <a:p>
-            <a:fld id="{25C8DA2F-B6A6-4512-BC9A-763D67BAE476}" type="slidenum">
+            <a:fld id="{19CD0B5E-DE68-4EB8-A196-5BEA241E4C28}" type="slidenum">
               <a:rPr lang="zh-CN" altLang="en-US" smtClean="0"/>
               <a:t>‹#›</a:t>
             </a:fld>
@@ -1873,7 +1873,7 @@
     </p:spTree>
     <p:extLst>
       <p:ext uri="{BB962C8B-B14F-4D97-AF65-F5344CB8AC3E}">
-        <p14:creationId xmlns:p14="http://schemas.microsoft.com/office/powerpoint/2010/main" val="3236069389"/>
+        <p14:creationId xmlns:p14="http://schemas.microsoft.com/office/powerpoint/2010/main" val="2959510758"/>
       </p:ext>
     </p:extLst>
   </p:cSld>
@@ -1905,7 +1905,7 @@
           <p:cNvPr id="2" name="标题 1">
             <a:extLst>
               <a:ext uri="{FF2B5EF4-FFF2-40B4-BE49-F238E27FC236}">
-                <a16:creationId xmlns:a16="http://schemas.microsoft.com/office/drawing/2014/main" id="{197355EE-7A1D-F2A0-60FB-CAAA9D301E60}"/>
+                <a16:creationId xmlns:a16="http://schemas.microsoft.com/office/drawing/2014/main" id="{BC11746E-A656-0791-D0D9-B0312CC08159}"/>
               </a:ext>
             </a:extLst>
           </p:cNvPr>
@@ -1933,7 +1933,7 @@
           <p:cNvPr id="3" name="日期占位符 2">
             <a:extLst>
               <a:ext uri="{FF2B5EF4-FFF2-40B4-BE49-F238E27FC236}">
-                <a16:creationId xmlns:a16="http://schemas.microsoft.com/office/drawing/2014/main" id="{BAB1DDF6-1C58-5DE4-2466-525A9E52EA5C}"/>
+                <a16:creationId xmlns:a16="http://schemas.microsoft.com/office/drawing/2014/main" id="{58136464-ED43-1EA0-1662-9BC3F71C6BBC}"/>
               </a:ext>
             </a:extLst>
           </p:cNvPr>
@@ -1949,7 +1949,7 @@
           <a:bodyPr/>
           <a:lstStyle/>
           <a:p>
-            <a:fld id="{2E7A09F3-7D91-4F02-A5E7-5F066E254B3C}" type="datetimeFigureOut">
+            <a:fld id="{EEF13A1B-5B9F-4398-A672-0E59607D0ADE}" type="datetimeFigureOut">
               <a:rPr lang="zh-CN" altLang="en-US" smtClean="0"/>
               <a:t>2024/3/10</a:t>
             </a:fld>
@@ -1962,7 +1962,7 @@
           <p:cNvPr id="4" name="页脚占位符 3">
             <a:extLst>
               <a:ext uri="{FF2B5EF4-FFF2-40B4-BE49-F238E27FC236}">
-                <a16:creationId xmlns:a16="http://schemas.microsoft.com/office/drawing/2014/main" id="{A2AB25FE-FBFB-E3AF-4CC4-BD3712C0B1C0}"/>
+                <a16:creationId xmlns:a16="http://schemas.microsoft.com/office/drawing/2014/main" id="{826688A3-FAED-D756-DAD2-2D021B979B89}"/>
               </a:ext>
             </a:extLst>
           </p:cNvPr>
@@ -1987,7 +1987,7 @@
           <p:cNvPr id="5" name="灯片编号占位符 4">
             <a:extLst>
               <a:ext uri="{FF2B5EF4-FFF2-40B4-BE49-F238E27FC236}">
-                <a16:creationId xmlns:a16="http://schemas.microsoft.com/office/drawing/2014/main" id="{2A339C27-5D07-ADE2-ADCB-3E400335B1DB}"/>
+                <a16:creationId xmlns:a16="http://schemas.microsoft.com/office/drawing/2014/main" id="{8B131D9E-A0D2-4A06-39CB-E1D8C8345FCE}"/>
               </a:ext>
             </a:extLst>
           </p:cNvPr>
@@ -2003,7 +2003,7 @@
           <a:bodyPr/>
           <a:lstStyle/>
           <a:p>
-            <a:fld id="{25C8DA2F-B6A6-4512-BC9A-763D67BAE476}" type="slidenum">
+            <a:fld id="{19CD0B5E-DE68-4EB8-A196-5BEA241E4C28}" type="slidenum">
               <a:rPr lang="zh-CN" altLang="en-US" smtClean="0"/>
               <a:t>‹#›</a:t>
             </a:fld>
@@ -2014,7 +2014,7 @@
     </p:spTree>
     <p:extLst>
       <p:ext uri="{BB962C8B-B14F-4D97-AF65-F5344CB8AC3E}">
-        <p14:creationId xmlns:p14="http://schemas.microsoft.com/office/powerpoint/2010/main" val="2796290963"/>
+        <p14:creationId xmlns:p14="http://schemas.microsoft.com/office/powerpoint/2010/main" val="1598257394"/>
       </p:ext>
     </p:extLst>
   </p:cSld>
@@ -2046,7 +2046,7 @@
           <p:cNvPr id="2" name="日期占位符 1">
             <a:extLst>
               <a:ext uri="{FF2B5EF4-FFF2-40B4-BE49-F238E27FC236}">
-                <a16:creationId xmlns:a16="http://schemas.microsoft.com/office/drawing/2014/main" id="{E4AF7703-20AC-FD51-6D69-922B55694498}"/>
+                <a16:creationId xmlns:a16="http://schemas.microsoft.com/office/drawing/2014/main" id="{14C972F8-0FDD-B1D7-8F4D-9B383D3D8971}"/>
               </a:ext>
             </a:extLst>
           </p:cNvPr>
@@ -2062,7 +2062,7 @@
           <a:bodyPr/>
           <a:lstStyle/>
           <a:p>
-            <a:fld id="{2E7A09F3-7D91-4F02-A5E7-5F066E254B3C}" type="datetimeFigureOut">
+            <a:fld id="{EEF13A1B-5B9F-4398-A672-0E59607D0ADE}" type="datetimeFigureOut">
               <a:rPr lang="zh-CN" altLang="en-US" smtClean="0"/>
               <a:t>2024/3/10</a:t>
             </a:fld>
@@ -2075,7 +2075,7 @@
           <p:cNvPr id="3" name="页脚占位符 2">
             <a:extLst>
               <a:ext uri="{FF2B5EF4-FFF2-40B4-BE49-F238E27FC236}">
-                <a16:creationId xmlns:a16="http://schemas.microsoft.com/office/drawing/2014/main" id="{E22B78A4-29BE-0983-5F98-F79F34063489}"/>
+                <a16:creationId xmlns:a16="http://schemas.microsoft.com/office/drawing/2014/main" id="{833DC903-EEBA-DDAE-9878-BA2BEA335A6B}"/>
               </a:ext>
             </a:extLst>
           </p:cNvPr>
@@ -2100,7 +2100,7 @@
           <p:cNvPr id="4" name="灯片编号占位符 3">
             <a:extLst>
               <a:ext uri="{FF2B5EF4-FFF2-40B4-BE49-F238E27FC236}">
-                <a16:creationId xmlns:a16="http://schemas.microsoft.com/office/drawing/2014/main" id="{D21DB21D-CD9F-55CB-EBD9-20088C6D3586}"/>
+                <a16:creationId xmlns:a16="http://schemas.microsoft.com/office/drawing/2014/main" id="{7A0F1259-F456-477E-7CF3-EE08FE948A79}"/>
               </a:ext>
             </a:extLst>
           </p:cNvPr>
@@ -2116,7 +2116,7 @@
           <a:bodyPr/>
           <a:lstStyle/>
           <a:p>
-            <a:fld id="{25C8DA2F-B6A6-4512-BC9A-763D67BAE476}" type="slidenum">
+            <a:fld id="{19CD0B5E-DE68-4EB8-A196-5BEA241E4C28}" type="slidenum">
               <a:rPr lang="zh-CN" altLang="en-US" smtClean="0"/>
               <a:t>‹#›</a:t>
             </a:fld>
@@ -2127,7 +2127,7 @@
     </p:spTree>
     <p:extLst>
       <p:ext uri="{BB962C8B-B14F-4D97-AF65-F5344CB8AC3E}">
-        <p14:creationId xmlns:p14="http://schemas.microsoft.com/office/powerpoint/2010/main" val="1603522571"/>
+        <p14:creationId xmlns:p14="http://schemas.microsoft.com/office/powerpoint/2010/main" val="620939648"/>
       </p:ext>
     </p:extLst>
   </p:cSld>
@@ -2159,7 +2159,7 @@
           <p:cNvPr id="2" name="标题 1">
             <a:extLst>
               <a:ext uri="{FF2B5EF4-FFF2-40B4-BE49-F238E27FC236}">
-                <a16:creationId xmlns:a16="http://schemas.microsoft.com/office/drawing/2014/main" id="{C54FBAC3-2ECD-AE58-270D-AD857598EF00}"/>
+                <a16:creationId xmlns:a16="http://schemas.microsoft.com/office/drawing/2014/main" id="{3CE1BD61-6B43-B5D7-1475-3E1D5F714121}"/>
               </a:ext>
             </a:extLst>
           </p:cNvPr>
@@ -2196,7 +2196,7 @@
           <p:cNvPr id="3" name="内容占位符 2">
             <a:extLst>
               <a:ext uri="{FF2B5EF4-FFF2-40B4-BE49-F238E27FC236}">
-                <a16:creationId xmlns:a16="http://schemas.microsoft.com/office/drawing/2014/main" id="{EA44795C-E3B8-1669-C07F-00F16B43A932}"/>
+                <a16:creationId xmlns:a16="http://schemas.microsoft.com/office/drawing/2014/main" id="{377FD4D5-8EF1-8ABB-020B-38C115C91984}"/>
               </a:ext>
             </a:extLst>
           </p:cNvPr>
@@ -2286,7 +2286,7 @@
           <p:cNvPr id="4" name="文本占位符 3">
             <a:extLst>
               <a:ext uri="{FF2B5EF4-FFF2-40B4-BE49-F238E27FC236}">
-                <a16:creationId xmlns:a16="http://schemas.microsoft.com/office/drawing/2014/main" id="{9905CA27-261F-B1FD-72BB-C4E3DB9C4E4D}"/>
+                <a16:creationId xmlns:a16="http://schemas.microsoft.com/office/drawing/2014/main" id="{FB683BAD-8336-6E2C-C4FD-8ED10087CA55}"/>
               </a:ext>
             </a:extLst>
           </p:cNvPr>
@@ -2357,7 +2357,7 @@
           <p:cNvPr id="5" name="日期占位符 4">
             <a:extLst>
               <a:ext uri="{FF2B5EF4-FFF2-40B4-BE49-F238E27FC236}">
-                <a16:creationId xmlns:a16="http://schemas.microsoft.com/office/drawing/2014/main" id="{445A36DF-F279-1C7D-5BD9-389CE2259B39}"/>
+                <a16:creationId xmlns:a16="http://schemas.microsoft.com/office/drawing/2014/main" id="{C795236F-07BC-A79B-585B-BB1871DBF7BD}"/>
               </a:ext>
             </a:extLst>
           </p:cNvPr>
@@ -2373,7 +2373,7 @@
           <a:bodyPr/>
           <a:lstStyle/>
           <a:p>
-            <a:fld id="{2E7A09F3-7D91-4F02-A5E7-5F066E254B3C}" type="datetimeFigureOut">
+            <a:fld id="{EEF13A1B-5B9F-4398-A672-0E59607D0ADE}" type="datetimeFigureOut">
               <a:rPr lang="zh-CN" altLang="en-US" smtClean="0"/>
               <a:t>2024/3/10</a:t>
             </a:fld>
@@ -2386,7 +2386,7 @@
           <p:cNvPr id="6" name="页脚占位符 5">
             <a:extLst>
               <a:ext uri="{FF2B5EF4-FFF2-40B4-BE49-F238E27FC236}">
-                <a16:creationId xmlns:a16="http://schemas.microsoft.com/office/drawing/2014/main" id="{C629C3A7-C7CB-795D-967F-979440BA6612}"/>
+                <a16:creationId xmlns:a16="http://schemas.microsoft.com/office/drawing/2014/main" id="{2318FB2C-D1CB-7262-59F6-B6F55F406871}"/>
               </a:ext>
             </a:extLst>
           </p:cNvPr>
@@ -2411,7 +2411,7 @@
           <p:cNvPr id="7" name="灯片编号占位符 6">
             <a:extLst>
               <a:ext uri="{FF2B5EF4-FFF2-40B4-BE49-F238E27FC236}">
-                <a16:creationId xmlns:a16="http://schemas.microsoft.com/office/drawing/2014/main" id="{8B3CD9C8-BDE1-758E-2D24-BF65AF04E912}"/>
+                <a16:creationId xmlns:a16="http://schemas.microsoft.com/office/drawing/2014/main" id="{D7C0F49A-F4F8-40BF-4BF2-5DB49FBFE346}"/>
               </a:ext>
             </a:extLst>
           </p:cNvPr>
@@ -2427,7 +2427,7 @@
           <a:bodyPr/>
           <a:lstStyle/>
           <a:p>
-            <a:fld id="{25C8DA2F-B6A6-4512-BC9A-763D67BAE476}" type="slidenum">
+            <a:fld id="{19CD0B5E-DE68-4EB8-A196-5BEA241E4C28}" type="slidenum">
               <a:rPr lang="zh-CN" altLang="en-US" smtClean="0"/>
               <a:t>‹#›</a:t>
             </a:fld>
@@ -2438,7 +2438,7 @@
     </p:spTree>
     <p:extLst>
       <p:ext uri="{BB962C8B-B14F-4D97-AF65-F5344CB8AC3E}">
-        <p14:creationId xmlns:p14="http://schemas.microsoft.com/office/powerpoint/2010/main" val="2562973129"/>
+        <p14:creationId xmlns:p14="http://schemas.microsoft.com/office/powerpoint/2010/main" val="2887304515"/>
       </p:ext>
     </p:extLst>
   </p:cSld>
@@ -2470,7 +2470,7 @@
           <p:cNvPr id="2" name="标题 1">
             <a:extLst>
               <a:ext uri="{FF2B5EF4-FFF2-40B4-BE49-F238E27FC236}">
-                <a16:creationId xmlns:a16="http://schemas.microsoft.com/office/drawing/2014/main" id="{620DEF4A-545B-5994-DC4A-D7B63A21ECF3}"/>
+                <a16:creationId xmlns:a16="http://schemas.microsoft.com/office/drawing/2014/main" id="{D841A1AD-AFF7-FA41-1634-C2CD8F213AC3}"/>
               </a:ext>
             </a:extLst>
           </p:cNvPr>
@@ -2507,7 +2507,7 @@
           <p:cNvPr id="3" name="图片占位符 2">
             <a:extLst>
               <a:ext uri="{FF2B5EF4-FFF2-40B4-BE49-F238E27FC236}">
-                <a16:creationId xmlns:a16="http://schemas.microsoft.com/office/drawing/2014/main" id="{CECC31DE-754B-3B70-6519-E309FD5B8367}"/>
+                <a16:creationId xmlns:a16="http://schemas.microsoft.com/office/drawing/2014/main" id="{43D5A440-0007-2958-5415-8C696FF81097}"/>
               </a:ext>
             </a:extLst>
           </p:cNvPr>
@@ -2574,7 +2574,7 @@
           <p:cNvPr id="4" name="文本占位符 3">
             <a:extLst>
               <a:ext uri="{FF2B5EF4-FFF2-40B4-BE49-F238E27FC236}">
-                <a16:creationId xmlns:a16="http://schemas.microsoft.com/office/drawing/2014/main" id="{DA0760A9-6C9F-588E-276D-1BFE3EAEF4E8}"/>
+                <a16:creationId xmlns:a16="http://schemas.microsoft.com/office/drawing/2014/main" id="{ED3546CF-DB26-D230-702E-67603182A78E}"/>
               </a:ext>
             </a:extLst>
           </p:cNvPr>
@@ -2645,7 +2645,7 @@
           <p:cNvPr id="5" name="日期占位符 4">
             <a:extLst>
               <a:ext uri="{FF2B5EF4-FFF2-40B4-BE49-F238E27FC236}">
-                <a16:creationId xmlns:a16="http://schemas.microsoft.com/office/drawing/2014/main" id="{A3EBFBDC-979F-0888-7B25-6677F6A70AE7}"/>
+                <a16:creationId xmlns:a16="http://schemas.microsoft.com/office/drawing/2014/main" id="{CE4CA83B-588A-2FBC-B4C1-3545524B930E}"/>
               </a:ext>
             </a:extLst>
           </p:cNvPr>
@@ -2661,7 +2661,7 @@
           <a:bodyPr/>
           <a:lstStyle/>
           <a:p>
-            <a:fld id="{2E7A09F3-7D91-4F02-A5E7-5F066E254B3C}" type="datetimeFigureOut">
+            <a:fld id="{EEF13A1B-5B9F-4398-A672-0E59607D0ADE}" type="datetimeFigureOut">
               <a:rPr lang="zh-CN" altLang="en-US" smtClean="0"/>
               <a:t>2024/3/10</a:t>
             </a:fld>
@@ -2674,7 +2674,7 @@
           <p:cNvPr id="6" name="页脚占位符 5">
             <a:extLst>
               <a:ext uri="{FF2B5EF4-FFF2-40B4-BE49-F238E27FC236}">
-                <a16:creationId xmlns:a16="http://schemas.microsoft.com/office/drawing/2014/main" id="{5C2F889D-A56A-0FFC-5F2F-B837E9943871}"/>
+                <a16:creationId xmlns:a16="http://schemas.microsoft.com/office/drawing/2014/main" id="{41AC17B5-1753-FA60-0208-5FC3FBADF985}"/>
               </a:ext>
             </a:extLst>
           </p:cNvPr>
@@ -2699,7 +2699,7 @@
           <p:cNvPr id="7" name="灯片编号占位符 6">
             <a:extLst>
               <a:ext uri="{FF2B5EF4-FFF2-40B4-BE49-F238E27FC236}">
-                <a16:creationId xmlns:a16="http://schemas.microsoft.com/office/drawing/2014/main" id="{FBE6F91B-9FD3-59BB-B269-608A1C5C1C46}"/>
+                <a16:creationId xmlns:a16="http://schemas.microsoft.com/office/drawing/2014/main" id="{6D3CC3FE-0295-F6B3-0EEC-831A79DC4413}"/>
               </a:ext>
             </a:extLst>
           </p:cNvPr>
@@ -2715,7 +2715,7 @@
           <a:bodyPr/>
           <a:lstStyle/>
           <a:p>
-            <a:fld id="{25C8DA2F-B6A6-4512-BC9A-763D67BAE476}" type="slidenum">
+            <a:fld id="{19CD0B5E-DE68-4EB8-A196-5BEA241E4C28}" type="slidenum">
               <a:rPr lang="zh-CN" altLang="en-US" smtClean="0"/>
               <a:t>‹#›</a:t>
             </a:fld>
@@ -2726,7 +2726,7 @@
     </p:spTree>
     <p:extLst>
       <p:ext uri="{BB962C8B-B14F-4D97-AF65-F5344CB8AC3E}">
-        <p14:creationId xmlns:p14="http://schemas.microsoft.com/office/powerpoint/2010/main" val="2526154547"/>
+        <p14:creationId xmlns:p14="http://schemas.microsoft.com/office/powerpoint/2010/main" val="1299340843"/>
       </p:ext>
     </p:extLst>
   </p:cSld>
@@ -2763,7 +2763,7 @@
           <p:cNvPr id="2" name="标题占位符 1">
             <a:extLst>
               <a:ext uri="{FF2B5EF4-FFF2-40B4-BE49-F238E27FC236}">
-                <a16:creationId xmlns:a16="http://schemas.microsoft.com/office/drawing/2014/main" id="{938E0743-98D0-D2FA-91E7-E3E92522F08C}"/>
+                <a16:creationId xmlns:a16="http://schemas.microsoft.com/office/drawing/2014/main" id="{CE81A5C4-94D4-AAC0-B0B2-51B2A1959D92}"/>
               </a:ext>
             </a:extLst>
           </p:cNvPr>
@@ -2801,7 +2801,7 @@
           <p:cNvPr id="3" name="文本占位符 2">
             <a:extLst>
               <a:ext uri="{FF2B5EF4-FFF2-40B4-BE49-F238E27FC236}">
-                <a16:creationId xmlns:a16="http://schemas.microsoft.com/office/drawing/2014/main" id="{91870D82-5BA5-4804-D447-B279FAA5B73D}"/>
+                <a16:creationId xmlns:a16="http://schemas.microsoft.com/office/drawing/2014/main" id="{7B3D0778-6C65-F7E1-AAE9-B314EF9DADEF}"/>
               </a:ext>
             </a:extLst>
           </p:cNvPr>
@@ -2868,7 +2868,7 @@
           <p:cNvPr id="4" name="日期占位符 3">
             <a:extLst>
               <a:ext uri="{FF2B5EF4-FFF2-40B4-BE49-F238E27FC236}">
-                <a16:creationId xmlns:a16="http://schemas.microsoft.com/office/drawing/2014/main" id="{4FA6C821-BC7C-706C-CD80-FFFFA8E5156F}"/>
+                <a16:creationId xmlns:a16="http://schemas.microsoft.com/office/drawing/2014/main" id="{D587426D-DDAF-C785-B151-1DC0EA0D014E}"/>
               </a:ext>
             </a:extLst>
           </p:cNvPr>
@@ -2902,7 +2902,7 @@
             </a:lvl1pPr>
           </a:lstStyle>
           <a:p>
-            <a:fld id="{2E7A09F3-7D91-4F02-A5E7-5F066E254B3C}" type="datetimeFigureOut">
+            <a:fld id="{EEF13A1B-5B9F-4398-A672-0E59607D0ADE}" type="datetimeFigureOut">
               <a:rPr lang="zh-CN" altLang="en-US" smtClean="0"/>
               <a:t>2024/3/10</a:t>
             </a:fld>
@@ -2915,7 +2915,7 @@
           <p:cNvPr id="5" name="页脚占位符 4">
             <a:extLst>
               <a:ext uri="{FF2B5EF4-FFF2-40B4-BE49-F238E27FC236}">
-                <a16:creationId xmlns:a16="http://schemas.microsoft.com/office/drawing/2014/main" id="{5FE9113C-7F94-B3DF-AF05-C3F8F3ACA0B7}"/>
+                <a16:creationId xmlns:a16="http://schemas.microsoft.com/office/drawing/2014/main" id="{FBA3894C-9B0B-8763-C41F-68267C7B0F76}"/>
               </a:ext>
             </a:extLst>
           </p:cNvPr>
@@ -2958,7 +2958,7 @@
           <p:cNvPr id="6" name="灯片编号占位符 5">
             <a:extLst>
               <a:ext uri="{FF2B5EF4-FFF2-40B4-BE49-F238E27FC236}">
-                <a16:creationId xmlns:a16="http://schemas.microsoft.com/office/drawing/2014/main" id="{4B90F8B9-79EE-AA28-BE03-194B3B376ADE}"/>
+                <a16:creationId xmlns:a16="http://schemas.microsoft.com/office/drawing/2014/main" id="{CFEE1E05-5308-600F-2C56-B038E76E3938}"/>
               </a:ext>
             </a:extLst>
           </p:cNvPr>
@@ -2992,7 +2992,7 @@
             </a:lvl1pPr>
           </a:lstStyle>
           <a:p>
-            <a:fld id="{25C8DA2F-B6A6-4512-BC9A-763D67BAE476}" type="slidenum">
+            <a:fld id="{19CD0B5E-DE68-4EB8-A196-5BEA241E4C28}" type="slidenum">
               <a:rPr lang="zh-CN" altLang="en-US" smtClean="0"/>
               <a:t>‹#›</a:t>
             </a:fld>
@@ -3003,7 +3003,7 @@
     </p:spTree>
     <p:extLst>
       <p:ext uri="{BB962C8B-B14F-4D97-AF65-F5344CB8AC3E}">
-        <p14:creationId xmlns:p14="http://schemas.microsoft.com/office/powerpoint/2010/main" val="931534109"/>
+        <p14:creationId xmlns:p14="http://schemas.microsoft.com/office/powerpoint/2010/main" val="3905746341"/>
       </p:ext>
     </p:extLst>
   </p:cSld>
@@ -3323,7 +3323,7 @@
       </p:grpSpPr>
       <p:pic>
         <p:nvPicPr>
-          <p:cNvPr id="323586" name="Picture 2" descr="315"/>
+          <p:cNvPr id="324610" name="Picture 2" descr="316"/>
           <p:cNvPicPr>
             <a:picLocks noChangeAspect="1" noChangeArrowheads="1"/>
           </p:cNvPicPr>
@@ -3344,8 +3344,8 @@
         </p:blipFill>
         <p:spPr bwMode="auto">
           <a:xfrm>
-            <a:off x="1524000" y="1"/>
-            <a:ext cx="9144000" cy="4365625"/>
+            <a:off x="1524000" y="0"/>
+            <a:ext cx="9144000" cy="6858000"/>
           </a:xfrm>
           <a:prstGeom prst="rect">
             <a:avLst/>
@@ -3375,11 +3375,158 @@
           </a:extLst>
         </p:spPr>
       </p:pic>
+      <p:pic>
+        <p:nvPicPr>
+          <p:cNvPr id="325635" name="Picture 3" descr="316-2"/>
+          <p:cNvPicPr>
+            <a:picLocks noChangeAspect="1" noChangeArrowheads="1"/>
+          </p:cNvPicPr>
+          <p:nvPr/>
+        </p:nvPicPr>
+        <p:blipFill>
+          <a:blip r:embed="rId3">
+            <a:extLst>
+              <a:ext uri="{28A0092B-C50C-407E-A947-70E740481C1C}">
+                <a14:useLocalDpi xmlns:a14="http://schemas.microsoft.com/office/drawing/2010/main" val="0"/>
+              </a:ext>
+            </a:extLst>
+          </a:blip>
+          <a:srcRect/>
+          <a:stretch>
+            <a:fillRect/>
+          </a:stretch>
+        </p:blipFill>
+        <p:spPr bwMode="auto">
+          <a:xfrm>
+            <a:off x="1524000" y="0"/>
+            <a:ext cx="9144000" cy="6858000"/>
+          </a:xfrm>
+          <a:prstGeom prst="rect">
+            <a:avLst/>
+          </a:prstGeom>
+          <a:noFill/>
+          <a:ln>
+            <a:noFill/>
+          </a:ln>
+          <a:effectLst/>
+          <a:extLst>
+            <a:ext uri="{909E8E84-426E-40DD-AFC4-6F175D3DCCD1}">
+              <a14:hiddenFill xmlns:a14="http://schemas.microsoft.com/office/drawing/2010/main">
+                <a:solidFill>
+                  <a:srgbClr val="FFFFFF"/>
+                </a:solidFill>
+              </a14:hiddenFill>
+            </a:ext>
+            <a:ext uri="{91240B29-F687-4F45-9708-019B960494DF}">
+              <a14:hiddenLine xmlns:a14="http://schemas.microsoft.com/office/drawing/2010/main" w="9525">
+                <a:solidFill>
+                  <a:srgbClr val="000000"/>
+                </a:solidFill>
+                <a:miter lim="800000"/>
+                <a:headEnd/>
+                <a:tailEnd/>
+              </a14:hiddenLine>
+            </a:ext>
+            <a:ext uri="{AF507438-7753-43E0-B8FC-AC1667EBCBE1}">
+              <a14:hiddenEffects xmlns:a14="http://schemas.microsoft.com/office/drawing/2010/main">
+                <a:effectLst>
+                  <a:outerShdw dist="35921" dir="2700000" algn="ctr" rotWithShape="0">
+                    <a:srgbClr val="808080"/>
+                  </a:outerShdw>
+                </a:effectLst>
+              </a14:hiddenEffects>
+            </a:ext>
+          </a:extLst>
+        </p:spPr>
+      </p:pic>
     </p:spTree>
   </p:cSld>
   <p:clrMapOvr>
     <a:masterClrMapping/>
   </p:clrMapOvr>
+  <p:timing>
+    <p:tnLst>
+      <p:par>
+        <p:cTn id="1" dur="indefinite" restart="never" nodeType="tmRoot">
+          <p:childTnLst>
+            <p:seq concurrent="1" nextAc="seek">
+              <p:cTn id="2" dur="indefinite" nodeType="mainSeq">
+                <p:childTnLst>
+                  <p:par>
+                    <p:cTn id="3" fill="hold" nodeType="clickPar">
+                      <p:stCondLst>
+                        <p:cond delay="indefinite"/>
+                      </p:stCondLst>
+                      <p:childTnLst>
+                        <p:par>
+                          <p:cTn id="4" fill="hold" nodeType="withGroup">
+                            <p:stCondLst>
+                              <p:cond delay="0"/>
+                            </p:stCondLst>
+                            <p:childTnLst>
+                              <p:par>
+                                <p:cTn id="5" presetID="10" presetClass="entr" presetSubtype="0" fill="hold" nodeType="clickEffect">
+                                  <p:stCondLst>
+                                    <p:cond delay="0"/>
+                                  </p:stCondLst>
+                                  <p:childTnLst>
+                                    <p:set>
+                                      <p:cBhvr>
+                                        <p:cTn id="6" dur="1" fill="hold">
+                                          <p:stCondLst>
+                                            <p:cond delay="0"/>
+                                          </p:stCondLst>
+                                        </p:cTn>
+                                        <p:tgtEl>
+                                          <p:spTgt spid="325635"/>
+                                        </p:tgtEl>
+                                        <p:attrNameLst>
+                                          <p:attrName>style.visibility</p:attrName>
+                                        </p:attrNameLst>
+                                      </p:cBhvr>
+                                      <p:to>
+                                        <p:strVal val="visible"/>
+                                      </p:to>
+                                    </p:set>
+                                    <p:animEffect transition="in" filter="fade">
+                                      <p:cBhvr>
+                                        <p:cTn id="7" dur="500"/>
+                                        <p:tgtEl>
+                                          <p:spTgt spid="325635"/>
+                                        </p:tgtEl>
+                                      </p:cBhvr>
+                                    </p:animEffect>
+                                  </p:childTnLst>
+                                </p:cTn>
+                              </p:par>
+                            </p:childTnLst>
+                          </p:cTn>
+                        </p:par>
+                      </p:childTnLst>
+                    </p:cTn>
+                  </p:par>
+                </p:childTnLst>
+              </p:cTn>
+              <p:prevCondLst>
+                <p:cond evt="onPrev" delay="0">
+                  <p:tgtEl>
+                    <p:sldTgt/>
+                  </p:tgtEl>
+                </p:cond>
+              </p:prevCondLst>
+              <p:nextCondLst>
+                <p:cond evt="onNext" delay="0">
+                  <p:tgtEl>
+                    <p:sldTgt/>
+                  </p:tgtEl>
+                </p:cond>
+              </p:nextCondLst>
+            </p:seq>
+          </p:childTnLst>
+        </p:cTn>
+      </p:par>
+    </p:tnLst>
+  </p:timing>
 </p:sld>
 </file>
 
